--- a/大数据可视化图表开发心得.pptx
+++ b/大数据可视化图表开发心得.pptx
@@ -397,7 +397,7 @@
               <a:pPr>
                 <a:defRPr/>
               </a:pPr>
-              <a:t>5/11/2018</a:t>
+              <a:t>5/16/2018</a:t>
             </a:fld>
             <a:endParaRPr lang="en-US" altLang="zh-CN"/>
           </a:p>
@@ -703,7 +703,7 @@
               <a:pPr>
                 <a:defRPr/>
               </a:pPr>
-              <a:t>5/11/2018</a:t>
+              <a:t>5/16/2018</a:t>
             </a:fld>
             <a:endParaRPr lang="en-US" altLang="zh-CN"/>
           </a:p>
@@ -977,7 +977,7 @@
               <a:pPr>
                 <a:defRPr/>
               </a:pPr>
-              <a:t>5/11/2018</a:t>
+              <a:t>5/16/2018</a:t>
             </a:fld>
             <a:endParaRPr lang="en-US" altLang="zh-CN"/>
           </a:p>
@@ -1461,7 +1461,7 @@
               <a:pPr>
                 <a:defRPr/>
               </a:pPr>
-              <a:t>5/11/2018</a:t>
+              <a:t>5/16/2018</a:t>
             </a:fld>
             <a:endParaRPr lang="en-US" altLang="zh-CN"/>
           </a:p>
@@ -1656,7 +1656,7 @@
               <a:pPr>
                 <a:defRPr/>
               </a:pPr>
-              <a:t>5/11/2018</a:t>
+              <a:t>5/16/2018</a:t>
             </a:fld>
             <a:endParaRPr lang="en-US" altLang="zh-CN"/>
           </a:p>
@@ -2247,7 +2247,7 @@
               <a:pPr>
                 <a:defRPr/>
               </a:pPr>
-              <a:t>5/11/2018</a:t>
+              <a:t>5/16/2018</a:t>
             </a:fld>
             <a:endParaRPr lang="en-US" altLang="zh-CN"/>
           </a:p>
@@ -2595,7 +2595,7 @@
               <a:pPr>
                 <a:defRPr/>
               </a:pPr>
-              <a:t>5/11/2018</a:t>
+              <a:t>5/16/2018</a:t>
             </a:fld>
             <a:endParaRPr lang="en-US" altLang="zh-CN"/>
           </a:p>
@@ -2786,7 +2786,7 @@
               <a:pPr>
                 <a:defRPr/>
               </a:pPr>
-              <a:t>5/11/2018</a:t>
+              <a:t>5/16/2018</a:t>
             </a:fld>
             <a:endParaRPr lang="en-US" altLang="zh-CN"/>
           </a:p>
@@ -2981,7 +2981,7 @@
               <a:pPr>
                 <a:defRPr/>
               </a:pPr>
-              <a:t>5/11/2018</a:t>
+              <a:t>5/16/2018</a:t>
             </a:fld>
             <a:endParaRPr lang="en-US" altLang="zh-CN"/>
           </a:p>
@@ -3166,7 +3166,7 @@
               <a:pPr>
                 <a:defRPr/>
               </a:pPr>
-              <a:t>5/11/2018</a:t>
+              <a:t>5/16/2018</a:t>
             </a:fld>
             <a:endParaRPr lang="en-US" altLang="zh-CN"/>
           </a:p>
@@ -3438,7 +3438,7 @@
               <a:pPr>
                 <a:defRPr/>
               </a:pPr>
-              <a:t>5/11/2018</a:t>
+              <a:t>5/16/2018</a:t>
             </a:fld>
             <a:endParaRPr lang="en-US" altLang="zh-CN"/>
           </a:p>
@@ -3745,7 +3745,7 @@
               <a:pPr>
                 <a:defRPr/>
               </a:pPr>
-              <a:t>5/11/2018</a:t>
+              <a:t>5/16/2018</a:t>
             </a:fld>
             <a:endParaRPr lang="en-US" altLang="zh-CN"/>
           </a:p>
@@ -4190,7 +4190,7 @@
               <a:pPr>
                 <a:defRPr/>
               </a:pPr>
-              <a:t>5/11/2018</a:t>
+              <a:t>5/16/2018</a:t>
             </a:fld>
             <a:endParaRPr lang="en-US" altLang="zh-CN"/>
           </a:p>
@@ -4323,7 +4323,7 @@
               <a:pPr>
                 <a:defRPr/>
               </a:pPr>
-              <a:t>5/11/2018</a:t>
+              <a:t>5/16/2018</a:t>
             </a:fld>
             <a:endParaRPr lang="en-US" altLang="zh-CN"/>
           </a:p>
@@ -4433,7 +4433,7 @@
               <a:pPr>
                 <a:defRPr/>
               </a:pPr>
-              <a:t>5/11/2018</a:t>
+              <a:t>5/16/2018</a:t>
             </a:fld>
             <a:endParaRPr lang="en-US" altLang="zh-CN"/>
           </a:p>
@@ -4731,7 +4731,7 @@
               <a:pPr>
                 <a:defRPr/>
               </a:pPr>
-              <a:t>5/11/2018</a:t>
+              <a:t>5/16/2018</a:t>
             </a:fld>
             <a:endParaRPr lang="en-US" altLang="zh-CN"/>
           </a:p>
@@ -5037,7 +5037,7 @@
               <a:pPr>
                 <a:defRPr/>
               </a:pPr>
-              <a:t>5/11/2018</a:t>
+              <a:t>5/16/2018</a:t>
             </a:fld>
             <a:endParaRPr lang="en-US" altLang="zh-CN"/>
           </a:p>
@@ -5292,7 +5292,7 @@
               <a:pPr>
                 <a:defRPr/>
               </a:pPr>
-              <a:t>5/11/2018</a:t>
+              <a:t>5/16/2018</a:t>
             </a:fld>
             <a:endParaRPr lang="en-US" altLang="zh-CN"/>
           </a:p>
@@ -20332,95 +20332,6 @@
       </p:grpSpPr>
       <p:graphicFrame>
         <p:nvGraphicFramePr>
-          <p:cNvPr id="11266" name="图表 25"/>
-          <p:cNvGraphicFramePr>
-            <a:graphicFrameLocks/>
-          </p:cNvGraphicFramePr>
-          <p:nvPr>
-            <p:extLst>
-              <p:ext uri="{D42A27DB-BD31-4B8C-83A1-F6EECF244321}">
-                <p14:modId xmlns:p14="http://schemas.microsoft.com/office/powerpoint/2010/main" val="3858382489"/>
-              </p:ext>
-            </p:extLst>
-          </p:nvPr>
-        </p:nvGraphicFramePr>
-        <p:xfrm>
-          <a:off x="415559" y="2565034"/>
-          <a:ext cx="5491162" cy="3949700"/>
-        </p:xfrm>
-        <a:graphic>
-          <a:graphicData uri="http://schemas.openxmlformats.org/presentationml/2006/ole">
-            <mc:AlternateContent xmlns:mc="http://schemas.openxmlformats.org/markup-compatibility/2006">
-              <mc:Choice xmlns:v="urn:schemas-microsoft-com:vml" Requires="v">
-                <p:oleObj spid="_x0000_s11313" name="图表" r:id="rId4" imgW="5499069" imgH="3956647" progId="Excel.Chart.8">
-                  <p:embed/>
-                </p:oleObj>
-              </mc:Choice>
-              <mc:Fallback>
-                <p:oleObj name="图表" r:id="rId4" imgW="5499069" imgH="3956647" progId="Excel.Chart.8">
-                  <p:embed/>
-                  <p:pic>
-                    <p:nvPicPr>
-                      <p:cNvPr id="0" name="图表 25"/>
-                      <p:cNvPicPr>
-                        <a:picLocks noChangeArrowheads="1"/>
-                      </p:cNvPicPr>
-                      <p:nvPr/>
-                    </p:nvPicPr>
-                    <p:blipFill>
-                      <a:blip r:embed="rId5">
-                        <a:extLst>
-                          <a:ext uri="{28A0092B-C50C-407E-A947-70E740481C1C}">
-                            <a14:useLocalDpi xmlns:a14="http://schemas.microsoft.com/office/drawing/2010/main" val="0"/>
-                          </a:ext>
-                        </a:extLst>
-                      </a:blip>
-                      <a:srcRect/>
-                      <a:stretch>
-                        <a:fillRect/>
-                      </a:stretch>
-                    </p:blipFill>
-                    <p:spPr bwMode="auto">
-                      <a:xfrm>
-                        <a:off x="415559" y="2565034"/>
-                        <a:ext cx="5491162" cy="3949700"/>
-                      </a:xfrm>
-                      <a:prstGeom prst="rect">
-                        <a:avLst/>
-                      </a:prstGeom>
-                      <a:noFill/>
-                      <a:ln>
-                        <a:noFill/>
-                      </a:ln>
-                      <a:extLst>
-                        <a:ext uri="{909E8E84-426E-40DD-AFC4-6F175D3DCCD1}">
-                          <a14:hiddenFill xmlns:a14="http://schemas.microsoft.com/office/drawing/2010/main">
-                            <a:solidFill>
-                              <a:srgbClr val="FFFFFF"/>
-                            </a:solidFill>
-                          </a14:hiddenFill>
-                        </a:ext>
-                        <a:ext uri="{91240B29-F687-4F45-9708-019B960494DF}">
-                          <a14:hiddenLine xmlns:a14="http://schemas.microsoft.com/office/drawing/2010/main" w="9525">
-                            <a:solidFill>
-                              <a:srgbClr val="000000"/>
-                            </a:solidFill>
-                            <a:miter lim="800000"/>
-                            <a:headEnd/>
-                            <a:tailEnd/>
-                          </a14:hiddenLine>
-                        </a:ext>
-                      </a:extLst>
-                    </p:spPr>
-                  </p:pic>
-                </p:oleObj>
-              </mc:Fallback>
-            </mc:AlternateContent>
-          </a:graphicData>
-        </a:graphic>
-      </p:graphicFrame>
-      <p:graphicFrame>
-        <p:nvGraphicFramePr>
           <p:cNvPr id="11267" name="图表 28"/>
           <p:cNvGraphicFramePr>
             <a:graphicFrameLocks/>
@@ -20441,12 +20352,12 @@
           <a:graphicData uri="http://schemas.openxmlformats.org/presentationml/2006/ole">
             <mc:AlternateContent xmlns:mc="http://schemas.openxmlformats.org/markup-compatibility/2006">
               <mc:Choice xmlns:v="urn:schemas-microsoft-com:vml" Requires="v">
-                <p:oleObj spid="_x0000_s11314" name="图表" r:id="rId7" imgW="5492972" imgH="3956647" progId="Excel.Chart.8">
+                <p:oleObj spid="_x0000_s11315" name="图表" r:id="rId4" imgW="5492972" imgH="3956647" progId="Excel.Chart.8">
                   <p:embed/>
                 </p:oleObj>
               </mc:Choice>
               <mc:Fallback>
-                <p:oleObj name="图表" r:id="rId7" imgW="5492972" imgH="3956647" progId="Excel.Chart.8">
+                <p:oleObj name="图表" r:id="rId4" imgW="5492972" imgH="3956647" progId="Excel.Chart.8">
                   <p:embed/>
                   <p:pic>
                     <p:nvPicPr>
@@ -20457,7 +20368,7 @@
                       <p:nvPr/>
                     </p:nvPicPr>
                     <p:blipFill>
-                      <a:blip r:embed="rId8">
+                      <a:blip r:embed="rId5">
                         <a:extLst>
                           <a:ext uri="{28A0092B-C50C-407E-A947-70E740481C1C}">
                             <a14:useLocalDpi xmlns:a14="http://schemas.microsoft.com/office/drawing/2010/main" val="0"/>
@@ -20904,6 +20815,36 @@
           </a:p>
         </p:txBody>
       </p:sp>
+      <p:pic>
+        <p:nvPicPr>
+          <p:cNvPr id="2" name="图片 1"/>
+          <p:cNvPicPr>
+            <a:picLocks noChangeAspect="1"/>
+          </p:cNvPicPr>
+          <p:nvPr/>
+        </p:nvPicPr>
+        <p:blipFill>
+          <a:blip r:embed="rId6">
+            <a:extLst>
+              <a:ext uri="{28A0092B-C50C-407E-A947-70E740481C1C}">
+                <a14:useLocalDpi xmlns:a14="http://schemas.microsoft.com/office/drawing/2010/main" val="0"/>
+              </a:ext>
+            </a:extLst>
+          </a:blip>
+          <a:stretch>
+            <a:fillRect/>
+          </a:stretch>
+        </p:blipFill>
+        <p:spPr>
+          <a:xfrm>
+            <a:off x="544511" y="2610681"/>
+            <a:ext cx="5422993" cy="3904053"/>
+          </a:xfrm>
+          <a:prstGeom prst="rect">
+            <a:avLst/>
+          </a:prstGeom>
+        </p:spPr>
+      </p:pic>
     </p:spTree>
   </p:cSld>
   <p:clrMapOvr>
